--- a/Classes/Class_8/CPP_Iterators.pptx
+++ b/Classes/Class_8/CPP_Iterators.pptx
@@ -6277,27 +6277,17 @@
           <a:p>
             <a:r>
               <a:rPr lang="en-GB" sz="2400" dirty="0"/>
-              <a:t>Iterators are used to point at the memory addresses of </a:t>
-            </a:r>
+              <a:t>Iterators are used to point at the memory addresses of values in STL containers.</a:t>
+            </a:r>
+          </a:p>
+          <a:p>
             <a:r>
               <a:rPr lang="en-GB" sz="2400"/>
-              <a:t>values in STL </a:t>
+              <a:t>They </a:t>
             </a:r>
             <a:r>
               <a:rPr lang="en-GB" sz="2400" dirty="0"/>
-              <a:t>containers.</a:t>
-            </a:r>
-          </a:p>
-          <a:p>
-            <a:r>
-              <a:rPr lang="en-GB" sz="2400" dirty="0"/>
-              <a:t>They are primarily used in sequences of numbers, characters etc.</a:t>
-            </a:r>
-          </a:p>
-          <a:p>
-            <a:r>
-              <a:rPr lang="en-GB" sz="2400" dirty="0"/>
-              <a:t>They reduce the complexity and execution time of the program.</a:t>
+              <a:t>reduce the complexity and execution time of the program.</a:t>
             </a:r>
           </a:p>
         </p:txBody>
